--- a/documents/database .pptx
+++ b/documents/database .pptx
@@ -7,7 +7,9 @@
   <p:sldIdLst>
     <p:sldId id="256" r:id="rId2"/>
     <p:sldId id="257" r:id="rId3"/>
-    <p:sldId id="258" r:id="rId4"/>
+    <p:sldId id="259" r:id="rId4"/>
+    <p:sldId id="260" r:id="rId5"/>
+    <p:sldId id="258" r:id="rId6"/>
   </p:sldIdLst>
   <p:sldSz cx="12192000" cy="6858000"/>
   <p:notesSz cx="6858000" cy="9144000"/>
@@ -106,6 +108,11 @@
       </a:defRPr>
     </a:lvl9pPr>
   </p:defaultTextStyle>
+  <p:extLst>
+    <p:ext uri="{EFAFB233-063F-42B5-8137-9DF3F51BA10A}">
+      <p15:sldGuideLst xmlns:p15="http://schemas.microsoft.com/office/powerpoint/2012/main"/>
+    </p:ext>
+  </p:extLst>
 </p:presentation>
 </file>
 
@@ -240,7 +247,7 @@
           <a:p>
             <a:fld id="{ECDEF63C-BB04-42A2-8158-A243CBE5CDB7}" type="datetimeFigureOut">
               <a:rPr lang="en-US" smtClean="0"/>
-              <a:t>09-Feb-15</a:t>
+              <a:t>16-Feb-15</a:t>
             </a:fld>
             <a:endParaRPr lang="en-US"/>
           </a:p>
@@ -410,7 +417,7 @@
           <a:p>
             <a:fld id="{ECDEF63C-BB04-42A2-8158-A243CBE5CDB7}" type="datetimeFigureOut">
               <a:rPr lang="en-US" smtClean="0"/>
-              <a:t>09-Feb-15</a:t>
+              <a:t>16-Feb-15</a:t>
             </a:fld>
             <a:endParaRPr lang="en-US"/>
           </a:p>
@@ -590,7 +597,7 @@
           <a:p>
             <a:fld id="{ECDEF63C-BB04-42A2-8158-A243CBE5CDB7}" type="datetimeFigureOut">
               <a:rPr lang="en-US" smtClean="0"/>
-              <a:t>09-Feb-15</a:t>
+              <a:t>16-Feb-15</a:t>
             </a:fld>
             <a:endParaRPr lang="en-US"/>
           </a:p>
@@ -760,7 +767,7 @@
           <a:p>
             <a:fld id="{ECDEF63C-BB04-42A2-8158-A243CBE5CDB7}" type="datetimeFigureOut">
               <a:rPr lang="en-US" smtClean="0"/>
-              <a:t>09-Feb-15</a:t>
+              <a:t>16-Feb-15</a:t>
             </a:fld>
             <a:endParaRPr lang="en-US"/>
           </a:p>
@@ -1006,7 +1013,7 @@
           <a:p>
             <a:fld id="{ECDEF63C-BB04-42A2-8158-A243CBE5CDB7}" type="datetimeFigureOut">
               <a:rPr lang="en-US" smtClean="0"/>
-              <a:t>09-Feb-15</a:t>
+              <a:t>16-Feb-15</a:t>
             </a:fld>
             <a:endParaRPr lang="en-US"/>
           </a:p>
@@ -1238,7 +1245,7 @@
           <a:p>
             <a:fld id="{ECDEF63C-BB04-42A2-8158-A243CBE5CDB7}" type="datetimeFigureOut">
               <a:rPr lang="en-US" smtClean="0"/>
-              <a:t>09-Feb-15</a:t>
+              <a:t>16-Feb-15</a:t>
             </a:fld>
             <a:endParaRPr lang="en-US"/>
           </a:p>
@@ -1605,7 +1612,7 @@
           <a:p>
             <a:fld id="{ECDEF63C-BB04-42A2-8158-A243CBE5CDB7}" type="datetimeFigureOut">
               <a:rPr lang="en-US" smtClean="0"/>
-              <a:t>09-Feb-15</a:t>
+              <a:t>16-Feb-15</a:t>
             </a:fld>
             <a:endParaRPr lang="en-US"/>
           </a:p>
@@ -1723,7 +1730,7 @@
           <a:p>
             <a:fld id="{ECDEF63C-BB04-42A2-8158-A243CBE5CDB7}" type="datetimeFigureOut">
               <a:rPr lang="en-US" smtClean="0"/>
-              <a:t>09-Feb-15</a:t>
+              <a:t>16-Feb-15</a:t>
             </a:fld>
             <a:endParaRPr lang="en-US"/>
           </a:p>
@@ -1818,7 +1825,7 @@
           <a:p>
             <a:fld id="{ECDEF63C-BB04-42A2-8158-A243CBE5CDB7}" type="datetimeFigureOut">
               <a:rPr lang="en-US" smtClean="0"/>
-              <a:t>09-Feb-15</a:t>
+              <a:t>16-Feb-15</a:t>
             </a:fld>
             <a:endParaRPr lang="en-US"/>
           </a:p>
@@ -2095,7 +2102,7 @@
           <a:p>
             <a:fld id="{ECDEF63C-BB04-42A2-8158-A243CBE5CDB7}" type="datetimeFigureOut">
               <a:rPr lang="en-US" smtClean="0"/>
-              <a:t>09-Feb-15</a:t>
+              <a:t>16-Feb-15</a:t>
             </a:fld>
             <a:endParaRPr lang="en-US"/>
           </a:p>
@@ -2348,7 +2355,7 @@
           <a:p>
             <a:fld id="{ECDEF63C-BB04-42A2-8158-A243CBE5CDB7}" type="datetimeFigureOut">
               <a:rPr lang="en-US" smtClean="0"/>
-              <a:t>09-Feb-15</a:t>
+              <a:t>16-Feb-15</a:t>
             </a:fld>
             <a:endParaRPr lang="en-US"/>
           </a:p>
@@ -2561,7 +2568,7 @@
           <a:p>
             <a:fld id="{ECDEF63C-BB04-42A2-8158-A243CBE5CDB7}" type="datetimeFigureOut">
               <a:rPr lang="en-US" smtClean="0"/>
-              <a:t>09-Feb-15</a:t>
+              <a:t>16-Feb-15</a:t>
             </a:fld>
             <a:endParaRPr lang="en-US"/>
           </a:p>
@@ -2975,14 +2982,14 @@
           <p:nvPr>
             <p:extLst>
               <p:ext uri="{D42A27DB-BD31-4B8C-83A1-F6EECF244321}">
-                <p14:modId xmlns:p14="http://schemas.microsoft.com/office/powerpoint/2010/main" val="2832352695"/>
+                <p14:modId xmlns:p14="http://schemas.microsoft.com/office/powerpoint/2010/main" val="2545295328"/>
               </p:ext>
             </p:extLst>
           </p:nvPr>
         </p:nvGraphicFramePr>
         <p:xfrm>
           <a:off x="1806223" y="640265"/>
-          <a:ext cx="8127999" cy="5191760"/>
+          <a:ext cx="8127999" cy="5562600"/>
         </p:xfrm>
         <a:graphic>
           <a:graphicData uri="http://schemas.openxmlformats.org/drawingml/2006/table">
@@ -3047,7 +3054,7 @@
                     <a:p>
                       <a:r>
                         <a:rPr lang="en-US" dirty="0" err="1" smtClean="0"/>
-                        <a:t>customer_id</a:t>
+                        <a:t>cust_id</a:t>
                       </a:r>
                       <a:endParaRPr lang="en-US" dirty="0"/>
                     </a:p>
@@ -3075,7 +3082,7 @@
                     <a:p>
                       <a:r>
                         <a:rPr lang="en-US" dirty="0" smtClean="0"/>
-                        <a:t>number(15)</a:t>
+                        <a:t>number(5)</a:t>
                       </a:r>
                       <a:endParaRPr lang="en-US" dirty="0"/>
                     </a:p>
@@ -3091,7 +3098,7 @@
                     <a:p>
                       <a:r>
                         <a:rPr lang="en-US" dirty="0" err="1" smtClean="0"/>
-                        <a:t>cust_name</a:t>
+                        <a:t>customer_id</a:t>
                       </a:r>
                       <a:endParaRPr lang="en-US" dirty="0"/>
                     </a:p>
@@ -3119,7 +3126,11 @@
                     <a:p>
                       <a:r>
                         <a:rPr lang="en-US" dirty="0" smtClean="0"/>
-                        <a:t>Char(30)</a:t>
+                        <a:t>number(5</a:t>
+                      </a:r>
+                      <a:r>
+                        <a:rPr lang="en-US" dirty="0" smtClean="0"/>
+                        <a:t>)</a:t>
                       </a:r>
                       <a:endParaRPr lang="en-US" dirty="0"/>
                     </a:p>
@@ -3135,35 +3146,39 @@
                     <a:p>
                       <a:r>
                         <a:rPr lang="en-US" dirty="0" err="1" smtClean="0"/>
-                        <a:t>phone_primary</a:t>
-                      </a:r>
-                      <a:endParaRPr lang="en-US" dirty="0"/>
-                    </a:p>
-                  </a:txBody>
-                  <a:tcPr/>
-                </a:tc>
-                <a:tc>
-                  <a:txBody>
-                    <a:bodyPr/>
-                    <a:lstStyle/>
-                    <a:p>
-                      <a:r>
-                        <a:rPr lang="en-US" dirty="0" smtClean="0"/>
-                        <a:t>Number</a:t>
-                      </a:r>
-                      <a:endParaRPr lang="en-US" dirty="0"/>
-                    </a:p>
-                  </a:txBody>
-                  <a:tcPr/>
-                </a:tc>
-                <a:tc>
-                  <a:txBody>
-                    <a:bodyPr/>
-                    <a:lstStyle/>
-                    <a:p>
-                      <a:r>
-                        <a:rPr lang="en-US" dirty="0" smtClean="0"/>
-                        <a:t>Number(15)</a:t>
+                        <a:t>cust_name</a:t>
+                      </a:r>
+                      <a:endParaRPr lang="en-US" dirty="0"/>
+                    </a:p>
+                  </a:txBody>
+                  <a:tcPr/>
+                </a:tc>
+                <a:tc>
+                  <a:txBody>
+                    <a:bodyPr/>
+                    <a:lstStyle/>
+                    <a:p>
+                      <a:r>
+                        <a:rPr lang="en-US" dirty="0" smtClean="0"/>
+                        <a:t>Alphanumeric</a:t>
+                      </a:r>
+                      <a:endParaRPr lang="en-US" dirty="0"/>
+                    </a:p>
+                  </a:txBody>
+                  <a:tcPr/>
+                </a:tc>
+                <a:tc>
+                  <a:txBody>
+                    <a:bodyPr/>
+                    <a:lstStyle/>
+                    <a:p>
+                      <a:r>
+                        <a:rPr lang="en-US" dirty="0" smtClean="0"/>
+                        <a:t>Char(50</a:t>
+                      </a:r>
+                      <a:r>
+                        <a:rPr lang="en-US" dirty="0" smtClean="0"/>
+                        <a:t>)</a:t>
                       </a:r>
                       <a:endParaRPr lang="en-US" dirty="0"/>
                     </a:p>
@@ -3179,7 +3194,7 @@
                     <a:p>
                       <a:r>
                         <a:rPr lang="en-US" dirty="0" err="1" smtClean="0"/>
-                        <a:t>phone_Alt</a:t>
+                        <a:t>phone_primary</a:t>
                       </a:r>
                       <a:endParaRPr lang="en-US" dirty="0"/>
                     </a:p>
@@ -3223,35 +3238,35 @@
                     <a:p>
                       <a:r>
                         <a:rPr lang="en-US" dirty="0" err="1" smtClean="0"/>
-                        <a:t>door_no</a:t>
-                      </a:r>
-                      <a:endParaRPr lang="en-US" dirty="0"/>
-                    </a:p>
-                  </a:txBody>
-                  <a:tcPr/>
-                </a:tc>
-                <a:tc>
-                  <a:txBody>
-                    <a:bodyPr/>
-                    <a:lstStyle/>
-                    <a:p>
-                      <a:r>
-                        <a:rPr lang="en-US" dirty="0" smtClean="0"/>
-                        <a:t>Alphanumeric</a:t>
-                      </a:r>
-                      <a:endParaRPr lang="en-US" dirty="0"/>
-                    </a:p>
-                  </a:txBody>
-                  <a:tcPr/>
-                </a:tc>
-                <a:tc>
-                  <a:txBody>
-                    <a:bodyPr/>
-                    <a:lstStyle/>
-                    <a:p>
-                      <a:r>
-                        <a:rPr lang="en-US" dirty="0" smtClean="0"/>
-                        <a:t>Char(10)</a:t>
+                        <a:t>phone_Alt</a:t>
+                      </a:r>
+                      <a:endParaRPr lang="en-US" dirty="0"/>
+                    </a:p>
+                  </a:txBody>
+                  <a:tcPr/>
+                </a:tc>
+                <a:tc>
+                  <a:txBody>
+                    <a:bodyPr/>
+                    <a:lstStyle/>
+                    <a:p>
+                      <a:r>
+                        <a:rPr lang="en-US" dirty="0" smtClean="0"/>
+                        <a:t>Number</a:t>
+                      </a:r>
+                      <a:endParaRPr lang="en-US" dirty="0"/>
+                    </a:p>
+                  </a:txBody>
+                  <a:tcPr/>
+                </a:tc>
+                <a:tc>
+                  <a:txBody>
+                    <a:bodyPr/>
+                    <a:lstStyle/>
+                    <a:p>
+                      <a:r>
+                        <a:rPr lang="en-US" dirty="0" smtClean="0"/>
+                        <a:t>Number(15)</a:t>
                       </a:r>
                       <a:endParaRPr lang="en-US" dirty="0"/>
                     </a:p>
@@ -3267,7 +3282,95 @@
                     <a:p>
                       <a:r>
                         <a:rPr lang="en-US" dirty="0" err="1" smtClean="0"/>
+                        <a:t>door_no</a:t>
+                      </a:r>
+                      <a:endParaRPr lang="en-US" dirty="0"/>
+                    </a:p>
+                  </a:txBody>
+                  <a:tcPr/>
+                </a:tc>
+                <a:tc>
+                  <a:txBody>
+                    <a:bodyPr/>
+                    <a:lstStyle/>
+                    <a:p>
+                      <a:r>
+                        <a:rPr lang="en-US" dirty="0" smtClean="0"/>
+                        <a:t>Alphanumeric</a:t>
+                      </a:r>
+                      <a:endParaRPr lang="en-US" dirty="0"/>
+                    </a:p>
+                  </a:txBody>
+                  <a:tcPr/>
+                </a:tc>
+                <a:tc>
+                  <a:txBody>
+                    <a:bodyPr/>
+                    <a:lstStyle/>
+                    <a:p>
+                      <a:r>
+                        <a:rPr lang="en-US" dirty="0" smtClean="0"/>
+                        <a:t>Char(10)</a:t>
+                      </a:r>
+                      <a:endParaRPr lang="en-US" dirty="0"/>
+                    </a:p>
+                  </a:txBody>
+                  <a:tcPr/>
+                </a:tc>
+              </a:tr>
+              <a:tr h="370840">
+                <a:tc>
+                  <a:txBody>
+                    <a:bodyPr/>
+                    <a:lstStyle/>
+                    <a:p>
+                      <a:r>
+                        <a:rPr lang="en-US" dirty="0" err="1" smtClean="0"/>
                         <a:t>street_name</a:t>
+                      </a:r>
+                      <a:endParaRPr lang="en-US" dirty="0"/>
+                    </a:p>
+                  </a:txBody>
+                  <a:tcPr/>
+                </a:tc>
+                <a:tc>
+                  <a:txBody>
+                    <a:bodyPr/>
+                    <a:lstStyle/>
+                    <a:p>
+                      <a:r>
+                        <a:rPr lang="en-US" dirty="0" smtClean="0"/>
+                        <a:t>Alphanumeric</a:t>
+                      </a:r>
+                      <a:endParaRPr lang="en-US" dirty="0"/>
+                    </a:p>
+                  </a:txBody>
+                  <a:tcPr/>
+                </a:tc>
+                <a:tc>
+                  <a:txBody>
+                    <a:bodyPr/>
+                    <a:lstStyle/>
+                    <a:p>
+                      <a:r>
+                        <a:rPr lang="en-US" dirty="0" smtClean="0"/>
+                        <a:t>Char(150)</a:t>
+                      </a:r>
+                      <a:endParaRPr lang="en-US" dirty="0"/>
+                    </a:p>
+                  </a:txBody>
+                  <a:tcPr/>
+                </a:tc>
+              </a:tr>
+              <a:tr h="370840">
+                <a:tc>
+                  <a:txBody>
+                    <a:bodyPr/>
+                    <a:lstStyle/>
+                    <a:p>
+                      <a:r>
+                        <a:rPr lang="en-US" dirty="0" err="1" smtClean="0"/>
+                        <a:t>pin_code</a:t>
                       </a:r>
                       <a:endParaRPr lang="en-US" dirty="0"/>
                     </a:p>
@@ -3298,22 +3401,21 @@
                       </a:pPr>
                       <a:r>
                         <a:rPr lang="en-US" dirty="0" smtClean="0"/>
-                        <a:t>Alphanumeric</a:t>
-                      </a:r>
-                    </a:p>
-                  </a:txBody>
-                  <a:tcPr/>
-                </a:tc>
-                <a:tc>
-                  <a:txBody>
-                    <a:bodyPr/>
-                    <a:lstStyle/>
-                    <a:p>
-                      <a:r>
-                        <a:rPr lang="en-US" dirty="0" smtClean="0"/>
-                        <a:t>Char(40)</a:t>
-                      </a:r>
-                      <a:endParaRPr lang="en-US" dirty="0"/>
+                        <a:t>Number</a:t>
+                      </a:r>
+                    </a:p>
+                  </a:txBody>
+                  <a:tcPr/>
+                </a:tc>
+                <a:tc>
+                  <a:txBody>
+                    <a:bodyPr/>
+                    <a:lstStyle/>
+                    <a:p>
+                      <a:r>
+                        <a:rPr lang="en-US" dirty="0" smtClean="0"/>
+                        <a:t>Number(10)</a:t>
+                      </a:r>
                     </a:p>
                   </a:txBody>
                   <a:tcPr/>
@@ -3327,7 +3429,7 @@
                     <a:p>
                       <a:r>
                         <a:rPr lang="en-US" dirty="0" err="1" smtClean="0"/>
-                        <a:t>area_name</a:t>
+                        <a:t>filter_model</a:t>
                       </a:r>
                       <a:endParaRPr lang="en-US" dirty="0"/>
                     </a:p>
@@ -3371,7 +3473,7 @@
                     <a:p>
                       <a:r>
                         <a:rPr lang="en-US" dirty="0" smtClean="0"/>
-                        <a:t>Char(40</a:t>
+                        <a:t>Char(50</a:t>
                       </a:r>
                       <a:r>
                         <a:rPr lang="en-US" dirty="0" smtClean="0"/>
@@ -3390,7 +3492,7 @@
                     <a:p>
                       <a:r>
                         <a:rPr lang="en-US" dirty="0" err="1" smtClean="0"/>
-                        <a:t>pin_code</a:t>
+                        <a:t>date_of_installation</a:t>
                       </a:r>
                       <a:endParaRPr lang="en-US" dirty="0"/>
                     </a:p>
@@ -3421,21 +3523,20 @@
                       </a:pPr>
                       <a:r>
                         <a:rPr lang="en-US" dirty="0" smtClean="0"/>
-                        <a:t>Number</a:t>
-                      </a:r>
-                      <a:endParaRPr lang="en-US" dirty="0" smtClean="0"/>
-                    </a:p>
-                  </a:txBody>
-                  <a:tcPr/>
-                </a:tc>
-                <a:tc>
-                  <a:txBody>
-                    <a:bodyPr/>
-                    <a:lstStyle/>
-                    <a:p>
-                      <a:r>
-                        <a:rPr lang="en-US" dirty="0" smtClean="0"/>
-                        <a:t>Number(10)</a:t>
+                        <a:t>Date</a:t>
+                      </a:r>
+                    </a:p>
+                  </a:txBody>
+                  <a:tcPr/>
+                </a:tc>
+                <a:tc>
+                  <a:txBody>
+                    <a:bodyPr/>
+                    <a:lstStyle/>
+                    <a:p>
+                      <a:r>
+                        <a:rPr lang="en-US" dirty="0" smtClean="0"/>
+                        <a:t>Date</a:t>
                       </a:r>
                     </a:p>
                   </a:txBody>
@@ -3450,7 +3551,7 @@
                     <a:p>
                       <a:r>
                         <a:rPr lang="en-US" dirty="0" err="1" smtClean="0"/>
-                        <a:t>filter_model</a:t>
+                        <a:t>unit_slno</a:t>
                       </a:r>
                       <a:endParaRPr lang="en-US" dirty="0"/>
                     </a:p>
@@ -3509,7 +3610,7 @@
                     <a:p>
                       <a:r>
                         <a:rPr lang="en-US" dirty="0" err="1" smtClean="0"/>
-                        <a:t>date_of_installation</a:t>
+                        <a:t>Used_at</a:t>
                       </a:r>
                       <a:endParaRPr lang="en-US" dirty="0"/>
                     </a:p>
@@ -3540,21 +3641,23 @@
                       </a:pPr>
                       <a:r>
                         <a:rPr lang="en-US" dirty="0" smtClean="0"/>
-                        <a:t>Date</a:t>
-                      </a:r>
-                    </a:p>
-                  </a:txBody>
-                  <a:tcPr/>
-                </a:tc>
-                <a:tc>
-                  <a:txBody>
-                    <a:bodyPr/>
-                    <a:lstStyle/>
-                    <a:p>
-                      <a:r>
-                        <a:rPr lang="en-US" dirty="0" smtClean="0"/>
-                        <a:t>Date</a:t>
-                      </a:r>
+                        <a:t>Number</a:t>
+                      </a:r>
+                      <a:endParaRPr lang="en-US" dirty="0" smtClean="0"/>
+                    </a:p>
+                  </a:txBody>
+                  <a:tcPr/>
+                </a:tc>
+                <a:tc>
+                  <a:txBody>
+                    <a:bodyPr/>
+                    <a:lstStyle/>
+                    <a:p>
+                      <a:r>
+                        <a:rPr lang="en-US" dirty="0" smtClean="0"/>
+                        <a:t>3</a:t>
+                      </a:r>
+                      <a:endParaRPr lang="en-US" dirty="0" smtClean="0"/>
                     </a:p>
                   </a:txBody>
                   <a:tcPr/>
@@ -3568,7 +3671,7 @@
                     <a:p>
                       <a:r>
                         <a:rPr lang="en-US" dirty="0" err="1" smtClean="0"/>
-                        <a:t>unit_slno</a:t>
+                        <a:t>warrenty_date</a:t>
                       </a:r>
                       <a:endParaRPr lang="en-US" dirty="0"/>
                     </a:p>
@@ -3599,20 +3702,20 @@
                       </a:pPr>
                       <a:r>
                         <a:rPr lang="en-US" dirty="0" smtClean="0"/>
-                        <a:t>Alphanumeric</a:t>
-                      </a:r>
-                    </a:p>
-                  </a:txBody>
-                  <a:tcPr/>
-                </a:tc>
-                <a:tc>
-                  <a:txBody>
-                    <a:bodyPr/>
-                    <a:lstStyle/>
-                    <a:p>
-                      <a:r>
-                        <a:rPr lang="en-US" dirty="0" smtClean="0"/>
-                        <a:t>Char(30)</a:t>
+                        <a:t>Date</a:t>
+                      </a:r>
+                    </a:p>
+                  </a:txBody>
+                  <a:tcPr/>
+                </a:tc>
+                <a:tc>
+                  <a:txBody>
+                    <a:bodyPr/>
+                    <a:lstStyle/>
+                    <a:p>
+                      <a:r>
+                        <a:rPr lang="en-US" dirty="0" smtClean="0"/>
+                        <a:t>Date</a:t>
                       </a:r>
                     </a:p>
                   </a:txBody>
@@ -3627,7 +3730,7 @@
                     <a:p>
                       <a:r>
                         <a:rPr lang="en-US" dirty="0" err="1" smtClean="0"/>
-                        <a:t>home_or_office</a:t>
+                        <a:t>cont_deatils</a:t>
                       </a:r>
                       <a:endParaRPr lang="en-US" dirty="0"/>
                     </a:p>
@@ -3658,80 +3761,23 @@
                       </a:pPr>
                       <a:r>
                         <a:rPr lang="en-US" dirty="0" smtClean="0"/>
-                        <a:t>Binary</a:t>
-                      </a:r>
-                    </a:p>
-                  </a:txBody>
-                  <a:tcPr/>
-                </a:tc>
-                <a:tc>
-                  <a:txBody>
-                    <a:bodyPr/>
-                    <a:lstStyle/>
-                    <a:p>
-                      <a:r>
-                        <a:rPr lang="en-US" dirty="0" smtClean="0"/>
-                        <a:t>Binary</a:t>
-                      </a:r>
-                    </a:p>
-                  </a:txBody>
-                  <a:tcPr/>
-                </a:tc>
-              </a:tr>
-              <a:tr h="370840">
-                <a:tc>
-                  <a:txBody>
-                    <a:bodyPr/>
-                    <a:lstStyle/>
-                    <a:p>
-                      <a:r>
-                        <a:rPr lang="en-US" dirty="0" err="1" smtClean="0"/>
-                        <a:t>warrenty_date</a:t>
-                      </a:r>
-                      <a:endParaRPr lang="en-US" dirty="0"/>
-                    </a:p>
-                  </a:txBody>
-                  <a:tcPr/>
-                </a:tc>
-                <a:tc>
-                  <a:txBody>
-                    <a:bodyPr/>
-                    <a:lstStyle/>
-                    <a:p>
-                      <a:pPr marL="0" marR="0" indent="0" algn="l" defTabSz="914400" rtl="0" eaLnBrk="1" fontAlgn="auto" latinLnBrk="0" hangingPunct="1">
-                        <a:lnSpc>
-                          <a:spcPct val="100000"/>
-                        </a:lnSpc>
-                        <a:spcBef>
-                          <a:spcPts val="0"/>
-                        </a:spcBef>
-                        <a:spcAft>
-                          <a:spcPts val="0"/>
-                        </a:spcAft>
-                        <a:buClrTx/>
-                        <a:buSzTx/>
-                        <a:buFontTx/>
-                        <a:buNone/>
-                        <a:tabLst/>
-                        <a:defRPr/>
-                      </a:pPr>
-                      <a:r>
-                        <a:rPr lang="en-US" dirty="0" smtClean="0"/>
-                        <a:t>Date</a:t>
-                      </a:r>
-                    </a:p>
-                  </a:txBody>
-                  <a:tcPr/>
-                </a:tc>
-                <a:tc>
-                  <a:txBody>
-                    <a:bodyPr/>
-                    <a:lstStyle/>
-                    <a:p>
-                      <a:r>
-                        <a:rPr lang="en-US" dirty="0" smtClean="0"/>
-                        <a:t>Date</a:t>
-                      </a:r>
+                        <a:t>Number</a:t>
+                      </a:r>
+                      <a:endParaRPr lang="en-US" dirty="0" smtClean="0"/>
+                    </a:p>
+                  </a:txBody>
+                  <a:tcPr/>
+                </a:tc>
+                <a:tc>
+                  <a:txBody>
+                    <a:bodyPr/>
+                    <a:lstStyle/>
+                    <a:p>
+                      <a:r>
+                        <a:rPr lang="en-US" dirty="0" smtClean="0"/>
+                        <a:t>2</a:t>
+                      </a:r>
+                      <a:endParaRPr lang="en-US" dirty="0" smtClean="0"/>
                     </a:p>
                   </a:txBody>
                   <a:tcPr/>
@@ -3810,14 +3856,14 @@
           <p:nvPr>
             <p:extLst>
               <p:ext uri="{D42A27DB-BD31-4B8C-83A1-F6EECF244321}">
-                <p14:modId xmlns:p14="http://schemas.microsoft.com/office/powerpoint/2010/main" val="2052417463"/>
+                <p14:modId xmlns:p14="http://schemas.microsoft.com/office/powerpoint/2010/main" val="2437119218"/>
               </p:ext>
             </p:extLst>
           </p:nvPr>
         </p:nvGraphicFramePr>
         <p:xfrm>
           <a:off x="1806223" y="640265"/>
-          <a:ext cx="8127999" cy="3606800"/>
+          <a:ext cx="8127999" cy="4617720"/>
         </p:xfrm>
         <a:graphic>
           <a:graphicData uri="http://schemas.openxmlformats.org/drawingml/2006/table">
@@ -3882,14 +3928,7 @@
                     <a:p>
                       <a:r>
                         <a:rPr lang="en-US" dirty="0" err="1" smtClean="0"/>
-                        <a:t>customer_id</a:t>
-                      </a:r>
-                      <a:endParaRPr lang="en-US" dirty="0" smtClean="0"/>
-                    </a:p>
-                    <a:p>
-                      <a:r>
-                        <a:rPr lang="en-US" dirty="0" smtClean="0"/>
-                        <a:t>(FK_CUSTOMER_INFO)</a:t>
+                        <a:t>Hist_id</a:t>
                       </a:r>
                       <a:endParaRPr lang="en-US" dirty="0"/>
                     </a:p>
@@ -3917,7 +3956,7 @@
                     <a:p>
                       <a:r>
                         <a:rPr lang="en-US" dirty="0" smtClean="0"/>
-                        <a:t>number(15)</a:t>
+                        <a:t>Number(10)</a:t>
                       </a:r>
                       <a:endParaRPr lang="en-US" dirty="0"/>
                     </a:p>
@@ -3933,35 +3972,42 @@
                     <a:p>
                       <a:r>
                         <a:rPr lang="en-US" dirty="0" err="1" smtClean="0"/>
-                        <a:t>visit_date</a:t>
-                      </a:r>
-                      <a:endParaRPr lang="en-US" dirty="0"/>
-                    </a:p>
-                  </a:txBody>
-                  <a:tcPr/>
-                </a:tc>
-                <a:tc>
-                  <a:txBody>
-                    <a:bodyPr/>
-                    <a:lstStyle/>
-                    <a:p>
-                      <a:r>
-                        <a:rPr lang="en-US" dirty="0" smtClean="0"/>
-                        <a:t>Date</a:t>
-                      </a:r>
-                      <a:endParaRPr lang="en-US" dirty="0"/>
-                    </a:p>
-                  </a:txBody>
-                  <a:tcPr/>
-                </a:tc>
-                <a:tc>
-                  <a:txBody>
-                    <a:bodyPr/>
-                    <a:lstStyle/>
-                    <a:p>
-                      <a:r>
-                        <a:rPr lang="en-US" dirty="0" smtClean="0"/>
-                        <a:t>Date</a:t>
+                        <a:t>customer_id</a:t>
+                      </a:r>
+                      <a:endParaRPr lang="en-US" dirty="0" smtClean="0"/>
+                    </a:p>
+                    <a:p>
+                      <a:r>
+                        <a:rPr lang="en-US" dirty="0" smtClean="0"/>
+                        <a:t>(FK_CUSTOMER_INFO)</a:t>
+                      </a:r>
+                      <a:endParaRPr lang="en-US" dirty="0"/>
+                    </a:p>
+                  </a:txBody>
+                  <a:tcPr/>
+                </a:tc>
+                <a:tc>
+                  <a:txBody>
+                    <a:bodyPr/>
+                    <a:lstStyle/>
+                    <a:p>
+                      <a:r>
+                        <a:rPr lang="en-US" dirty="0" err="1" smtClean="0"/>
+                        <a:t>Foreign_Key</a:t>
+                      </a:r>
+                      <a:endParaRPr lang="en-US" dirty="0"/>
+                    </a:p>
+                  </a:txBody>
+                  <a:tcPr/>
+                </a:tc>
+                <a:tc>
+                  <a:txBody>
+                    <a:bodyPr/>
+                    <a:lstStyle/>
+                    <a:p>
+                      <a:r>
+                        <a:rPr lang="en-US" dirty="0" smtClean="0"/>
+                        <a:t>number(15)</a:t>
                       </a:r>
                       <a:endParaRPr lang="en-US" dirty="0"/>
                     </a:p>
@@ -3977,35 +4023,35 @@
                     <a:p>
                       <a:r>
                         <a:rPr lang="en-US" dirty="0" err="1" smtClean="0"/>
-                        <a:t>visit_type</a:t>
-                      </a:r>
-                      <a:endParaRPr lang="en-US" dirty="0"/>
-                    </a:p>
-                  </a:txBody>
-                  <a:tcPr/>
-                </a:tc>
-                <a:tc>
-                  <a:txBody>
-                    <a:bodyPr/>
-                    <a:lstStyle/>
-                    <a:p>
-                      <a:r>
-                        <a:rPr lang="en-US" dirty="0" smtClean="0"/>
-                        <a:t>Binary</a:t>
-                      </a:r>
-                      <a:endParaRPr lang="en-US" dirty="0"/>
-                    </a:p>
-                  </a:txBody>
-                  <a:tcPr/>
-                </a:tc>
-                <a:tc>
-                  <a:txBody>
-                    <a:bodyPr/>
-                    <a:lstStyle/>
-                    <a:p>
-                      <a:r>
-                        <a:rPr lang="en-US" dirty="0" err="1" smtClean="0"/>
-                        <a:t>Bianry</a:t>
+                        <a:t>visit_date</a:t>
+                      </a:r>
+                      <a:endParaRPr lang="en-US" dirty="0"/>
+                    </a:p>
+                  </a:txBody>
+                  <a:tcPr/>
+                </a:tc>
+                <a:tc>
+                  <a:txBody>
+                    <a:bodyPr/>
+                    <a:lstStyle/>
+                    <a:p>
+                      <a:r>
+                        <a:rPr lang="en-US" dirty="0" smtClean="0"/>
+                        <a:t>Date</a:t>
+                      </a:r>
+                      <a:endParaRPr lang="en-US" dirty="0"/>
+                    </a:p>
+                  </a:txBody>
+                  <a:tcPr/>
+                </a:tc>
+                <a:tc>
+                  <a:txBody>
+                    <a:bodyPr/>
+                    <a:lstStyle/>
+                    <a:p>
+                      <a:r>
+                        <a:rPr lang="en-US" dirty="0" smtClean="0"/>
+                        <a:t>Date</a:t>
                       </a:r>
                       <a:endParaRPr lang="en-US" dirty="0"/>
                     </a:p>
@@ -4035,21 +4081,21 @@
                     <a:p>
                       <a:r>
                         <a:rPr lang="en-US" dirty="0" smtClean="0"/>
-                        <a:t>Alphanumeric</a:t>
-                      </a:r>
-                      <a:endParaRPr lang="en-US" dirty="0"/>
-                    </a:p>
-                  </a:txBody>
-                  <a:tcPr/>
-                </a:tc>
-                <a:tc>
-                  <a:txBody>
-                    <a:bodyPr/>
-                    <a:lstStyle/>
-                    <a:p>
-                      <a:r>
-                        <a:rPr lang="en-US" dirty="0" smtClean="0"/>
-                        <a:t>Char(200)</a:t>
+                        <a:t>Number</a:t>
+                      </a:r>
+                      <a:endParaRPr lang="en-US" dirty="0"/>
+                    </a:p>
+                  </a:txBody>
+                  <a:tcPr/>
+                </a:tc>
+                <a:tc>
+                  <a:txBody>
+                    <a:bodyPr/>
+                    <a:lstStyle/>
+                    <a:p>
+                      <a:r>
+                        <a:rPr lang="en-US" dirty="0" smtClean="0"/>
+                        <a:t>Number(2)</a:t>
                       </a:r>
                       <a:endParaRPr lang="en-US" dirty="0"/>
                     </a:p>
@@ -4067,33 +4113,37 @@
                         <a:rPr lang="en-US" dirty="0" err="1" smtClean="0"/>
                         <a:t>parts_replaced</a:t>
                       </a:r>
-                      <a:endParaRPr lang="en-US" dirty="0"/>
-                    </a:p>
-                  </a:txBody>
-                  <a:tcPr/>
-                </a:tc>
-                <a:tc>
-                  <a:txBody>
-                    <a:bodyPr/>
-                    <a:lstStyle/>
-                    <a:p>
-                      <a:r>
-                        <a:rPr lang="en-US" dirty="0" smtClean="0"/>
-                        <a:t>Alphanumeric</a:t>
-                      </a:r>
-                      <a:endParaRPr lang="en-US" dirty="0"/>
-                    </a:p>
-                  </a:txBody>
-                  <a:tcPr/>
-                </a:tc>
-                <a:tc>
-                  <a:txBody>
-                    <a:bodyPr/>
-                    <a:lstStyle/>
-                    <a:p>
-                      <a:r>
-                        <a:rPr lang="en-US" dirty="0" smtClean="0"/>
-                        <a:t>Char(100)</a:t>
+                      <a:r>
+                        <a:rPr lang="en-US" dirty="0" smtClean="0"/>
+                        <a:t>(FK_PARTS)</a:t>
+                      </a:r>
+                      <a:endParaRPr lang="en-US" dirty="0"/>
+                    </a:p>
+                  </a:txBody>
+                  <a:tcPr/>
+                </a:tc>
+                <a:tc>
+                  <a:txBody>
+                    <a:bodyPr/>
+                    <a:lstStyle/>
+                    <a:p>
+                      <a:r>
+                        <a:rPr lang="en-US" dirty="0" err="1" smtClean="0"/>
+                        <a:t>Foreign_Key</a:t>
+                      </a:r>
+                      <a:endParaRPr lang="en-US" dirty="0"/>
+                    </a:p>
+                  </a:txBody>
+                  <a:tcPr/>
+                </a:tc>
+                <a:tc>
+                  <a:txBody>
+                    <a:bodyPr/>
+                    <a:lstStyle/>
+                    <a:p>
+                      <a:r>
+                        <a:rPr lang="en-US" dirty="0" smtClean="0"/>
+                        <a:t>Number(5)</a:t>
                       </a:r>
                       <a:endParaRPr lang="en-US" dirty="0"/>
                     </a:p>
@@ -4109,35 +4159,35 @@
                     <a:p>
                       <a:r>
                         <a:rPr lang="en-US" dirty="0" err="1" smtClean="0"/>
-                        <a:t>iccr_date</a:t>
-                      </a:r>
-                      <a:endParaRPr lang="en-US" dirty="0"/>
-                    </a:p>
-                  </a:txBody>
-                  <a:tcPr/>
-                </a:tc>
-                <a:tc>
-                  <a:txBody>
-                    <a:bodyPr/>
-                    <a:lstStyle/>
-                    <a:p>
-                      <a:r>
-                        <a:rPr lang="en-US" dirty="0" smtClean="0"/>
-                        <a:t>Alphanumeric</a:t>
-                      </a:r>
-                      <a:endParaRPr lang="en-US" dirty="0"/>
-                    </a:p>
-                  </a:txBody>
-                  <a:tcPr/>
-                </a:tc>
-                <a:tc>
-                  <a:txBody>
-                    <a:bodyPr/>
-                    <a:lstStyle/>
-                    <a:p>
-                      <a:r>
-                        <a:rPr lang="en-US" dirty="0" smtClean="0"/>
-                        <a:t>Char(75)</a:t>
+                        <a:t>icr_bill_no</a:t>
+                      </a:r>
+                      <a:endParaRPr lang="en-US" dirty="0"/>
+                    </a:p>
+                  </a:txBody>
+                  <a:tcPr/>
+                </a:tc>
+                <a:tc>
+                  <a:txBody>
+                    <a:bodyPr/>
+                    <a:lstStyle/>
+                    <a:p>
+                      <a:r>
+                        <a:rPr lang="en-US" dirty="0" smtClean="0"/>
+                        <a:t>Number</a:t>
+                      </a:r>
+                      <a:endParaRPr lang="en-US" dirty="0"/>
+                    </a:p>
+                  </a:txBody>
+                  <a:tcPr/>
+                </a:tc>
+                <a:tc>
+                  <a:txBody>
+                    <a:bodyPr/>
+                    <a:lstStyle/>
+                    <a:p>
+                      <a:r>
+                        <a:rPr lang="en-US" dirty="0" smtClean="0"/>
+                        <a:t>Number(10)</a:t>
                       </a:r>
                       <a:endParaRPr lang="en-US" dirty="0"/>
                     </a:p>
@@ -4152,8 +4202,8 @@
                     <a:lstStyle/>
                     <a:p>
                       <a:r>
-                        <a:rPr lang="en-US" dirty="0" smtClean="0"/>
-                        <a:t>amount</a:t>
+                        <a:rPr lang="en-US" dirty="0" err="1" smtClean="0"/>
+                        <a:t>iccr_no</a:t>
                       </a:r>
                       <a:endParaRPr lang="en-US" dirty="0"/>
                     </a:p>
@@ -4197,35 +4247,127 @@
                     <a:p>
                       <a:r>
                         <a:rPr lang="en-US" dirty="0" err="1" smtClean="0"/>
+                        <a:t>iccr_date</a:t>
+                      </a:r>
+                      <a:endParaRPr lang="en-US" dirty="0"/>
+                    </a:p>
+                  </a:txBody>
+                  <a:tcPr/>
+                </a:tc>
+                <a:tc>
+                  <a:txBody>
+                    <a:bodyPr/>
+                    <a:lstStyle/>
+                    <a:p>
+                      <a:r>
+                        <a:rPr lang="en-US" dirty="0" smtClean="0"/>
+                        <a:t>Alphanumeric</a:t>
+                      </a:r>
+                      <a:endParaRPr lang="en-US" dirty="0"/>
+                    </a:p>
+                  </a:txBody>
+                  <a:tcPr/>
+                </a:tc>
+                <a:tc>
+                  <a:txBody>
+                    <a:bodyPr/>
+                    <a:lstStyle/>
+                    <a:p>
+                      <a:r>
+                        <a:rPr lang="en-US" dirty="0" smtClean="0"/>
+                        <a:t>Char(75)</a:t>
+                      </a:r>
+                      <a:endParaRPr lang="en-US" dirty="0"/>
+                    </a:p>
+                  </a:txBody>
+                  <a:tcPr/>
+                </a:tc>
+              </a:tr>
+              <a:tr h="370840">
+                <a:tc>
+                  <a:txBody>
+                    <a:bodyPr/>
+                    <a:lstStyle/>
+                    <a:p>
+                      <a:r>
+                        <a:rPr lang="en-US" dirty="0" smtClean="0"/>
+                        <a:t>amount</a:t>
+                      </a:r>
+                      <a:endParaRPr lang="en-US" dirty="0"/>
+                    </a:p>
+                  </a:txBody>
+                  <a:tcPr/>
+                </a:tc>
+                <a:tc>
+                  <a:txBody>
+                    <a:bodyPr/>
+                    <a:lstStyle/>
+                    <a:p>
+                      <a:r>
+                        <a:rPr lang="en-US" dirty="0" smtClean="0"/>
+                        <a:t>Number</a:t>
+                      </a:r>
+                      <a:endParaRPr lang="en-US" dirty="0"/>
+                    </a:p>
+                  </a:txBody>
+                  <a:tcPr/>
+                </a:tc>
+                <a:tc>
+                  <a:txBody>
+                    <a:bodyPr/>
+                    <a:lstStyle/>
+                    <a:p>
+                      <a:r>
+                        <a:rPr lang="en-US" dirty="0" smtClean="0"/>
+                        <a:t>Number(10)</a:t>
+                      </a:r>
+                      <a:endParaRPr lang="en-US" dirty="0"/>
+                    </a:p>
+                  </a:txBody>
+                  <a:tcPr/>
+                </a:tc>
+              </a:tr>
+              <a:tr h="370840">
+                <a:tc>
+                  <a:txBody>
+                    <a:bodyPr/>
+                    <a:lstStyle/>
+                    <a:p>
+                      <a:r>
+                        <a:rPr lang="en-US" dirty="0" err="1" smtClean="0"/>
                         <a:t>exec_attend</a:t>
                       </a:r>
-                      <a:endParaRPr lang="en-US" dirty="0"/>
-                    </a:p>
-                  </a:txBody>
-                  <a:tcPr/>
-                </a:tc>
-                <a:tc>
-                  <a:txBody>
-                    <a:bodyPr/>
-                    <a:lstStyle/>
-                    <a:p>
-                      <a:r>
-                        <a:rPr lang="en-US" dirty="0" smtClean="0"/>
-                        <a:t>Alphanumeric</a:t>
-                      </a:r>
-                      <a:endParaRPr lang="en-US" dirty="0"/>
-                    </a:p>
-                  </a:txBody>
-                  <a:tcPr/>
-                </a:tc>
-                <a:tc>
-                  <a:txBody>
-                    <a:bodyPr/>
-                    <a:lstStyle/>
-                    <a:p>
-                      <a:r>
-                        <a:rPr lang="en-US" dirty="0" smtClean="0"/>
-                        <a:t>Char(40)</a:t>
+                      <a:r>
+                        <a:rPr lang="en-US" dirty="0" smtClean="0"/>
+                        <a:t>(FK_EXECUTIVE)</a:t>
+                      </a:r>
+                      <a:endParaRPr lang="en-US" dirty="0"/>
+                    </a:p>
+                  </a:txBody>
+                  <a:tcPr/>
+                </a:tc>
+                <a:tc>
+                  <a:txBody>
+                    <a:bodyPr/>
+                    <a:lstStyle/>
+                    <a:p>
+                      <a:r>
+                        <a:rPr lang="en-US" dirty="0" err="1" smtClean="0"/>
+                        <a:t>Foreign_key</a:t>
+                      </a:r>
+                      <a:endParaRPr lang="en-US" dirty="0"/>
+                    </a:p>
+                  </a:txBody>
+                  <a:tcPr/>
+                </a:tc>
+                <a:tc>
+                  <a:txBody>
+                    <a:bodyPr/>
+                    <a:lstStyle/>
+                    <a:p>
+                      <a:r>
+                        <a:rPr lang="en-US" dirty="0" smtClean="0"/>
+                        <a:t>Number(15)</a:t>
                       </a:r>
                       <a:endParaRPr lang="en-US" dirty="0"/>
                     </a:p>
@@ -4306,7 +4448,364 @@
           <p:nvPr>
             <p:extLst>
               <p:ext uri="{D42A27DB-BD31-4B8C-83A1-F6EECF244321}">
-                <p14:modId xmlns:p14="http://schemas.microsoft.com/office/powerpoint/2010/main" val="1370161049"/>
+                <p14:modId xmlns:p14="http://schemas.microsoft.com/office/powerpoint/2010/main" val="755024888"/>
+              </p:ext>
+            </p:extLst>
+          </p:nvPr>
+        </p:nvGraphicFramePr>
+        <p:xfrm>
+          <a:off x="1806223" y="640265"/>
+          <a:ext cx="8127999" cy="2225040"/>
+        </p:xfrm>
+        <a:graphic>
+          <a:graphicData uri="http://schemas.openxmlformats.org/drawingml/2006/table">
+            <a:tbl>
+              <a:tblPr firstRow="1" bandRow="1">
+                <a:tableStyleId>{5C22544A-7EE6-4342-B048-85BDC9FD1C3A}</a:tableStyleId>
+              </a:tblPr>
+              <a:tblGrid>
+                <a:gridCol w="2709333"/>
+                <a:gridCol w="2709333"/>
+                <a:gridCol w="2709333"/>
+              </a:tblGrid>
+              <a:tr h="370840">
+                <a:tc>
+                  <a:txBody>
+                    <a:bodyPr/>
+                    <a:lstStyle/>
+                    <a:p>
+                      <a:r>
+                        <a:rPr lang="en-US" dirty="0" smtClean="0"/>
+                        <a:t>Attribute</a:t>
+                      </a:r>
+                      <a:endParaRPr lang="en-US" dirty="0"/>
+                    </a:p>
+                  </a:txBody>
+                  <a:tcPr/>
+                </a:tc>
+                <a:tc>
+                  <a:txBody>
+                    <a:bodyPr/>
+                    <a:lstStyle/>
+                    <a:p>
+                      <a:r>
+                        <a:rPr lang="en-US" dirty="0" smtClean="0"/>
+                        <a:t>Key</a:t>
+                      </a:r>
+                      <a:endParaRPr lang="en-US" dirty="0"/>
+                    </a:p>
+                  </a:txBody>
+                  <a:tcPr/>
+                </a:tc>
+                <a:tc>
+                  <a:txBody>
+                    <a:bodyPr/>
+                    <a:lstStyle/>
+                    <a:p>
+                      <a:r>
+                        <a:rPr lang="en-US" dirty="0" smtClean="0"/>
+                        <a:t>Data Type</a:t>
+                      </a:r>
+                      <a:endParaRPr lang="en-US" dirty="0"/>
+                    </a:p>
+                  </a:txBody>
+                  <a:tcPr/>
+                </a:tc>
+              </a:tr>
+              <a:tr h="370840">
+                <a:tc>
+                  <a:txBody>
+                    <a:bodyPr/>
+                    <a:lstStyle/>
+                    <a:p>
+                      <a:r>
+                        <a:rPr lang="en-US" dirty="0" err="1" smtClean="0"/>
+                        <a:t>exe_id</a:t>
+                      </a:r>
+                      <a:endParaRPr lang="en-US" dirty="0"/>
+                    </a:p>
+                  </a:txBody>
+                  <a:tcPr/>
+                </a:tc>
+                <a:tc>
+                  <a:txBody>
+                    <a:bodyPr/>
+                    <a:lstStyle/>
+                    <a:p>
+                      <a:r>
+                        <a:rPr lang="en-US" dirty="0" smtClean="0"/>
+                        <a:t>Primary</a:t>
+                      </a:r>
+                      <a:endParaRPr lang="en-US" dirty="0"/>
+                    </a:p>
+                  </a:txBody>
+                  <a:tcPr/>
+                </a:tc>
+                <a:tc>
+                  <a:txBody>
+                    <a:bodyPr/>
+                    <a:lstStyle/>
+                    <a:p>
+                      <a:r>
+                        <a:rPr lang="en-US" dirty="0" smtClean="0"/>
+                        <a:t>number(15)</a:t>
+                      </a:r>
+                      <a:endParaRPr lang="en-US" dirty="0"/>
+                    </a:p>
+                  </a:txBody>
+                  <a:tcPr/>
+                </a:tc>
+              </a:tr>
+              <a:tr h="370840">
+                <a:tc>
+                  <a:txBody>
+                    <a:bodyPr/>
+                    <a:lstStyle/>
+                    <a:p>
+                      <a:r>
+                        <a:rPr lang="en-US" dirty="0" err="1" smtClean="0"/>
+                        <a:t>exe_name</a:t>
+                      </a:r>
+                      <a:endParaRPr lang="en-US" dirty="0"/>
+                    </a:p>
+                  </a:txBody>
+                  <a:tcPr/>
+                </a:tc>
+                <a:tc>
+                  <a:txBody>
+                    <a:bodyPr/>
+                    <a:lstStyle/>
+                    <a:p>
+                      <a:r>
+                        <a:rPr lang="en-US" dirty="0" smtClean="0"/>
+                        <a:t>Alphanumeric</a:t>
+                      </a:r>
+                      <a:endParaRPr lang="en-US" dirty="0"/>
+                    </a:p>
+                  </a:txBody>
+                  <a:tcPr/>
+                </a:tc>
+                <a:tc>
+                  <a:txBody>
+                    <a:bodyPr/>
+                    <a:lstStyle/>
+                    <a:p>
+                      <a:r>
+                        <a:rPr lang="en-US" dirty="0" smtClean="0"/>
+                        <a:t>Char(75)</a:t>
+                      </a:r>
+                      <a:endParaRPr lang="en-US" dirty="0"/>
+                    </a:p>
+                  </a:txBody>
+                  <a:tcPr/>
+                </a:tc>
+              </a:tr>
+              <a:tr h="370840">
+                <a:tc>
+                  <a:txBody>
+                    <a:bodyPr/>
+                    <a:lstStyle/>
+                    <a:p>
+                      <a:r>
+                        <a:rPr lang="en-US" dirty="0" err="1" smtClean="0"/>
+                        <a:t>exe_emp_id</a:t>
+                      </a:r>
+                      <a:endParaRPr lang="en-US" dirty="0"/>
+                    </a:p>
+                  </a:txBody>
+                  <a:tcPr/>
+                </a:tc>
+                <a:tc>
+                  <a:txBody>
+                    <a:bodyPr/>
+                    <a:lstStyle/>
+                    <a:p>
+                      <a:r>
+                        <a:rPr lang="en-US" dirty="0" smtClean="0"/>
+                        <a:t>Alphanumeric</a:t>
+                      </a:r>
+                      <a:endParaRPr lang="en-US" dirty="0"/>
+                    </a:p>
+                  </a:txBody>
+                  <a:tcPr/>
+                </a:tc>
+                <a:tc>
+                  <a:txBody>
+                    <a:bodyPr/>
+                    <a:lstStyle/>
+                    <a:p>
+                      <a:r>
+                        <a:rPr lang="en-US" dirty="0" smtClean="0"/>
+                        <a:t>Char(20)</a:t>
+                      </a:r>
+                      <a:endParaRPr lang="en-US" dirty="0"/>
+                    </a:p>
+                  </a:txBody>
+                  <a:tcPr/>
+                </a:tc>
+              </a:tr>
+              <a:tr h="370840">
+                <a:tc>
+                  <a:txBody>
+                    <a:bodyPr/>
+                    <a:lstStyle/>
+                    <a:p>
+                      <a:r>
+                        <a:rPr lang="en-US" dirty="0" err="1" smtClean="0"/>
+                        <a:t>exe_number</a:t>
+                      </a:r>
+                      <a:endParaRPr lang="en-US" dirty="0"/>
+                    </a:p>
+                  </a:txBody>
+                  <a:tcPr/>
+                </a:tc>
+                <a:tc>
+                  <a:txBody>
+                    <a:bodyPr/>
+                    <a:lstStyle/>
+                    <a:p>
+                      <a:r>
+                        <a:rPr lang="en-US" dirty="0" smtClean="0"/>
+                        <a:t>Number</a:t>
+                      </a:r>
+                      <a:endParaRPr lang="en-US" dirty="0"/>
+                    </a:p>
+                  </a:txBody>
+                  <a:tcPr/>
+                </a:tc>
+                <a:tc>
+                  <a:txBody>
+                    <a:bodyPr/>
+                    <a:lstStyle/>
+                    <a:p>
+                      <a:r>
+                        <a:rPr lang="en-US" dirty="0" smtClean="0"/>
+                        <a:t>Number(15)</a:t>
+                      </a:r>
+                      <a:endParaRPr lang="en-US" dirty="0"/>
+                    </a:p>
+                  </a:txBody>
+                  <a:tcPr/>
+                </a:tc>
+              </a:tr>
+              <a:tr h="370840">
+                <a:tc>
+                  <a:txBody>
+                    <a:bodyPr/>
+                    <a:lstStyle/>
+                    <a:p>
+                      <a:r>
+                        <a:rPr lang="en-US" dirty="0" err="1" smtClean="0"/>
+                        <a:t>exe_address</a:t>
+                      </a:r>
+                      <a:endParaRPr lang="en-US" dirty="0"/>
+                    </a:p>
+                  </a:txBody>
+                  <a:tcPr/>
+                </a:tc>
+                <a:tc>
+                  <a:txBody>
+                    <a:bodyPr/>
+                    <a:lstStyle/>
+                    <a:p>
+                      <a:r>
+                        <a:rPr lang="en-US" dirty="0" smtClean="0"/>
+                        <a:t>Alphanumeric</a:t>
+                      </a:r>
+                      <a:endParaRPr lang="en-US" dirty="0"/>
+                    </a:p>
+                  </a:txBody>
+                  <a:tcPr/>
+                </a:tc>
+                <a:tc>
+                  <a:txBody>
+                    <a:bodyPr/>
+                    <a:lstStyle/>
+                    <a:p>
+                      <a:r>
+                        <a:rPr lang="en-US" dirty="0" smtClean="0"/>
+                        <a:t>Char(200)</a:t>
+                      </a:r>
+                      <a:endParaRPr lang="en-US" dirty="0"/>
+                    </a:p>
+                  </a:txBody>
+                  <a:tcPr/>
+                </a:tc>
+              </a:tr>
+            </a:tbl>
+          </a:graphicData>
+        </a:graphic>
+      </p:graphicFrame>
+      <p:sp>
+        <p:nvSpPr>
+          <p:cNvPr id="5" name="TextBox 4"/>
+          <p:cNvSpPr txBox="1"/>
+          <p:nvPr/>
+        </p:nvSpPr>
+        <p:spPr>
+          <a:xfrm>
+            <a:off x="1806223" y="270933"/>
+            <a:ext cx="1211101" cy="369332"/>
+          </a:xfrm>
+          <a:prstGeom prst="rect">
+            <a:avLst/>
+          </a:prstGeom>
+          <a:noFill/>
+        </p:spPr>
+        <p:txBody>
+          <a:bodyPr wrap="none" rtlCol="0">
+            <a:spAutoFit/>
+          </a:bodyPr>
+          <a:lstStyle/>
+          <a:p>
+            <a:r>
+              <a:rPr lang="en-US" dirty="0" smtClean="0"/>
+              <a:t>EXECUTIVE</a:t>
+            </a:r>
+            <a:endParaRPr lang="en-US" dirty="0" smtClean="0"/>
+          </a:p>
+        </p:txBody>
+      </p:sp>
+    </p:spTree>
+    <p:extLst>
+      <p:ext uri="{BB962C8B-B14F-4D97-AF65-F5344CB8AC3E}">
+        <p14:creationId xmlns:p14="http://schemas.microsoft.com/office/powerpoint/2010/main" val="3762652142"/>
+      </p:ext>
+    </p:extLst>
+  </p:cSld>
+  <p:clrMapOvr>
+    <a:masterClrMapping/>
+  </p:clrMapOvr>
+</p:sld>
+</file>
+
+<file path=ppt/slides/slide4.xml><?xml version="1.0" encoding="utf-8"?>
+<p:sld xmlns:a="http://schemas.openxmlformats.org/drawingml/2006/main" xmlns:r="http://schemas.openxmlformats.org/officeDocument/2006/relationships" xmlns:p="http://schemas.openxmlformats.org/presentationml/2006/main">
+  <p:cSld>
+    <p:spTree>
+      <p:nvGrpSpPr>
+        <p:cNvPr id="1" name=""/>
+        <p:cNvGrpSpPr/>
+        <p:nvPr/>
+      </p:nvGrpSpPr>
+      <p:grpSpPr>
+        <a:xfrm>
+          <a:off x="0" y="0"/>
+          <a:ext cx="0" cy="0"/>
+          <a:chOff x="0" y="0"/>
+          <a:chExt cx="0" cy="0"/>
+        </a:xfrm>
+      </p:grpSpPr>
+      <p:graphicFrame>
+        <p:nvGraphicFramePr>
+          <p:cNvPr id="4" name="Table 3"/>
+          <p:cNvGraphicFramePr>
+            <a:graphicFrameLocks noGrp="1"/>
+          </p:cNvGraphicFramePr>
+          <p:nvPr>
+            <p:extLst>
+              <p:ext uri="{D42A27DB-BD31-4B8C-83A1-F6EECF244321}">
+                <p14:modId xmlns:p14="http://schemas.microsoft.com/office/powerpoint/2010/main" val="3296283919"/>
               </p:ext>
             </p:extLst>
           </p:nvPr>
@@ -4378,7 +4877,7 @@
                     <a:p>
                       <a:r>
                         <a:rPr lang="en-US" dirty="0" err="1" smtClean="0"/>
-                        <a:t>emp_id</a:t>
+                        <a:t>revenue_id</a:t>
                       </a:r>
                       <a:endParaRPr lang="en-US" dirty="0"/>
                     </a:p>
@@ -4422,35 +4921,43 @@
                     <a:p>
                       <a:r>
                         <a:rPr lang="en-US" dirty="0" err="1" smtClean="0"/>
-                        <a:t>emp_u_name</a:t>
-                      </a:r>
-                      <a:endParaRPr lang="en-US" dirty="0"/>
-                    </a:p>
-                  </a:txBody>
-                  <a:tcPr/>
-                </a:tc>
-                <a:tc>
-                  <a:txBody>
-                    <a:bodyPr/>
-                    <a:lstStyle/>
-                    <a:p>
-                      <a:r>
-                        <a:rPr lang="en-US" dirty="0" smtClean="0"/>
-                        <a:t>Alphanumeric</a:t>
-                      </a:r>
-                      <a:endParaRPr lang="en-US" dirty="0"/>
-                    </a:p>
-                  </a:txBody>
-                  <a:tcPr/>
-                </a:tc>
-                <a:tc>
-                  <a:txBody>
-                    <a:bodyPr/>
-                    <a:lstStyle/>
-                    <a:p>
-                      <a:r>
-                        <a:rPr lang="en-US" dirty="0" smtClean="0"/>
-                        <a:t>Char(20)</a:t>
+                        <a:t>exec_id</a:t>
+                      </a:r>
+                      <a:r>
+                        <a:rPr lang="en-US" dirty="0" smtClean="0"/>
+                        <a:t>(FK_EXECUTIVE</a:t>
+                      </a:r>
+                      <a:r>
+                        <a:rPr lang="en-US" dirty="0" smtClean="0"/>
+                        <a:t>)</a:t>
+                      </a:r>
+                      <a:endParaRPr lang="en-US" dirty="0"/>
+                    </a:p>
+                  </a:txBody>
+                  <a:tcPr/>
+                </a:tc>
+                <a:tc>
+                  <a:txBody>
+                    <a:bodyPr/>
+                    <a:lstStyle/>
+                    <a:p>
+                      <a:r>
+                        <a:rPr lang="en-US" dirty="0" err="1" smtClean="0"/>
+                        <a:t>Foreign_key</a:t>
+                      </a:r>
+                      <a:endParaRPr lang="en-US" dirty="0"/>
+                    </a:p>
+                  </a:txBody>
+                  <a:tcPr/>
+                </a:tc>
+                <a:tc>
+                  <a:txBody>
+                    <a:bodyPr/>
+                    <a:lstStyle/>
+                    <a:p>
+                      <a:r>
+                        <a:rPr lang="en-US" dirty="0" smtClean="0"/>
+                        <a:t>Number(15)</a:t>
                       </a:r>
                       <a:endParaRPr lang="en-US" dirty="0"/>
                     </a:p>
@@ -4466,35 +4973,35 @@
                     <a:p>
                       <a:r>
                         <a:rPr lang="en-US" dirty="0" err="1" smtClean="0"/>
-                        <a:t>emp_pword</a:t>
-                      </a:r>
-                      <a:endParaRPr lang="en-US" dirty="0"/>
-                    </a:p>
-                  </a:txBody>
-                  <a:tcPr/>
-                </a:tc>
-                <a:tc>
-                  <a:txBody>
-                    <a:bodyPr/>
-                    <a:lstStyle/>
-                    <a:p>
-                      <a:r>
-                        <a:rPr lang="en-US" dirty="0" smtClean="0"/>
-                        <a:t>Alphanumeric</a:t>
-                      </a:r>
-                      <a:endParaRPr lang="en-US" dirty="0"/>
-                    </a:p>
-                  </a:txBody>
-                  <a:tcPr/>
-                </a:tc>
-                <a:tc>
-                  <a:txBody>
-                    <a:bodyPr/>
-                    <a:lstStyle/>
-                    <a:p>
-                      <a:r>
-                        <a:rPr lang="en-US" dirty="0" smtClean="0"/>
-                        <a:t>Char(15)</a:t>
+                        <a:t>rev_date</a:t>
+                      </a:r>
+                      <a:endParaRPr lang="en-US" dirty="0"/>
+                    </a:p>
+                  </a:txBody>
+                  <a:tcPr/>
+                </a:tc>
+                <a:tc>
+                  <a:txBody>
+                    <a:bodyPr/>
+                    <a:lstStyle/>
+                    <a:p>
+                      <a:r>
+                        <a:rPr lang="en-US" dirty="0" smtClean="0"/>
+                        <a:t>Date</a:t>
+                      </a:r>
+                      <a:endParaRPr lang="en-US" dirty="0"/>
+                    </a:p>
+                  </a:txBody>
+                  <a:tcPr/>
+                </a:tc>
+                <a:tc>
+                  <a:txBody>
+                    <a:bodyPr/>
+                    <a:lstStyle/>
+                    <a:p>
+                      <a:r>
+                        <a:rPr lang="en-US" dirty="0" smtClean="0"/>
+                        <a:t>Date</a:t>
                       </a:r>
                       <a:endParaRPr lang="en-US" dirty="0"/>
                     </a:p>
@@ -4510,6 +5017,566 @@
                     <a:p>
                       <a:r>
                         <a:rPr lang="en-US" dirty="0" err="1" smtClean="0"/>
+                        <a:t>rev_amount</a:t>
+                      </a:r>
+                      <a:endParaRPr lang="en-US" dirty="0"/>
+                    </a:p>
+                  </a:txBody>
+                  <a:tcPr/>
+                </a:tc>
+                <a:tc>
+                  <a:txBody>
+                    <a:bodyPr/>
+                    <a:lstStyle/>
+                    <a:p>
+                      <a:r>
+                        <a:rPr lang="en-US" dirty="0" smtClean="0"/>
+                        <a:t>Number</a:t>
+                      </a:r>
+                      <a:endParaRPr lang="en-US" dirty="0"/>
+                    </a:p>
+                  </a:txBody>
+                  <a:tcPr/>
+                </a:tc>
+                <a:tc>
+                  <a:txBody>
+                    <a:bodyPr/>
+                    <a:lstStyle/>
+                    <a:p>
+                      <a:r>
+                        <a:rPr lang="en-US" dirty="0" smtClean="0"/>
+                        <a:t>Number(10)</a:t>
+                      </a:r>
+                      <a:endParaRPr lang="en-US" dirty="0"/>
+                    </a:p>
+                  </a:txBody>
+                  <a:tcPr/>
+                </a:tc>
+              </a:tr>
+            </a:tbl>
+          </a:graphicData>
+        </a:graphic>
+      </p:graphicFrame>
+      <p:sp>
+        <p:nvSpPr>
+          <p:cNvPr id="5" name="TextBox 4"/>
+          <p:cNvSpPr txBox="1"/>
+          <p:nvPr/>
+        </p:nvSpPr>
+        <p:spPr>
+          <a:xfrm>
+            <a:off x="1806223" y="270933"/>
+            <a:ext cx="1966692" cy="369332"/>
+          </a:xfrm>
+          <a:prstGeom prst="rect">
+            <a:avLst/>
+          </a:prstGeom>
+          <a:noFill/>
+        </p:spPr>
+        <p:txBody>
+          <a:bodyPr wrap="none" rtlCol="0">
+            <a:spAutoFit/>
+          </a:bodyPr>
+          <a:lstStyle/>
+          <a:p>
+            <a:r>
+              <a:rPr lang="en-IN" b="1" dirty="0" smtClean="0"/>
+              <a:t>REVENUE_DETAILS</a:t>
+            </a:r>
+            <a:endParaRPr lang="en-US" dirty="0" smtClean="0"/>
+          </a:p>
+        </p:txBody>
+      </p:sp>
+      <p:graphicFrame>
+        <p:nvGraphicFramePr>
+          <p:cNvPr id="6" name="Table 5"/>
+          <p:cNvGraphicFramePr>
+            <a:graphicFrameLocks noGrp="1"/>
+          </p:cNvGraphicFramePr>
+          <p:nvPr>
+            <p:extLst>
+              <p:ext uri="{D42A27DB-BD31-4B8C-83A1-F6EECF244321}">
+                <p14:modId xmlns:p14="http://schemas.microsoft.com/office/powerpoint/2010/main" val="2706653340"/>
+              </p:ext>
+            </p:extLst>
+          </p:nvPr>
+        </p:nvGraphicFramePr>
+        <p:xfrm>
+          <a:off x="1806223" y="3174621"/>
+          <a:ext cx="8127999" cy="1483360"/>
+        </p:xfrm>
+        <a:graphic>
+          <a:graphicData uri="http://schemas.openxmlformats.org/drawingml/2006/table">
+            <a:tbl>
+              <a:tblPr firstRow="1" bandRow="1">
+                <a:tableStyleId>{5C22544A-7EE6-4342-B048-85BDC9FD1C3A}</a:tableStyleId>
+              </a:tblPr>
+              <a:tblGrid>
+                <a:gridCol w="2709333"/>
+                <a:gridCol w="2709333"/>
+                <a:gridCol w="2709333"/>
+              </a:tblGrid>
+              <a:tr h="370840">
+                <a:tc>
+                  <a:txBody>
+                    <a:bodyPr/>
+                    <a:lstStyle/>
+                    <a:p>
+                      <a:r>
+                        <a:rPr lang="en-US" dirty="0" smtClean="0"/>
+                        <a:t>Attribute</a:t>
+                      </a:r>
+                      <a:endParaRPr lang="en-US" dirty="0"/>
+                    </a:p>
+                  </a:txBody>
+                  <a:tcPr/>
+                </a:tc>
+                <a:tc>
+                  <a:txBody>
+                    <a:bodyPr/>
+                    <a:lstStyle/>
+                    <a:p>
+                      <a:r>
+                        <a:rPr lang="en-US" dirty="0" smtClean="0"/>
+                        <a:t>Key</a:t>
+                      </a:r>
+                      <a:endParaRPr lang="en-US" dirty="0"/>
+                    </a:p>
+                  </a:txBody>
+                  <a:tcPr/>
+                </a:tc>
+                <a:tc>
+                  <a:txBody>
+                    <a:bodyPr/>
+                    <a:lstStyle/>
+                    <a:p>
+                      <a:r>
+                        <a:rPr lang="en-US" dirty="0" smtClean="0"/>
+                        <a:t>Data Type</a:t>
+                      </a:r>
+                      <a:endParaRPr lang="en-US" dirty="0"/>
+                    </a:p>
+                  </a:txBody>
+                  <a:tcPr/>
+                </a:tc>
+              </a:tr>
+              <a:tr h="370840">
+                <a:tc>
+                  <a:txBody>
+                    <a:bodyPr/>
+                    <a:lstStyle/>
+                    <a:p>
+                      <a:r>
+                        <a:rPr lang="en-US" dirty="0" err="1" smtClean="0"/>
+                        <a:t>parts_id</a:t>
+                      </a:r>
+                      <a:endParaRPr lang="en-US" dirty="0"/>
+                    </a:p>
+                  </a:txBody>
+                  <a:tcPr/>
+                </a:tc>
+                <a:tc>
+                  <a:txBody>
+                    <a:bodyPr/>
+                    <a:lstStyle/>
+                    <a:p>
+                      <a:r>
+                        <a:rPr lang="en-US" dirty="0" smtClean="0"/>
+                        <a:t>Primary</a:t>
+                      </a:r>
+                      <a:endParaRPr lang="en-US" dirty="0"/>
+                    </a:p>
+                  </a:txBody>
+                  <a:tcPr/>
+                </a:tc>
+                <a:tc>
+                  <a:txBody>
+                    <a:bodyPr/>
+                    <a:lstStyle/>
+                    <a:p>
+                      <a:r>
+                        <a:rPr lang="en-US" dirty="0" smtClean="0"/>
+                        <a:t>number(5)</a:t>
+                      </a:r>
+                      <a:endParaRPr lang="en-US" dirty="0"/>
+                    </a:p>
+                  </a:txBody>
+                  <a:tcPr/>
+                </a:tc>
+              </a:tr>
+              <a:tr h="370840">
+                <a:tc>
+                  <a:txBody>
+                    <a:bodyPr/>
+                    <a:lstStyle/>
+                    <a:p>
+                      <a:r>
+                        <a:rPr lang="en-US" dirty="0" err="1" smtClean="0"/>
+                        <a:t>history_id</a:t>
+                      </a:r>
+                      <a:r>
+                        <a:rPr lang="en-US" dirty="0" smtClean="0"/>
+                        <a:t>(FK_EXECUTIVE</a:t>
+                      </a:r>
+                      <a:r>
+                        <a:rPr lang="en-US" dirty="0" smtClean="0"/>
+                        <a:t>)</a:t>
+                      </a:r>
+                      <a:endParaRPr lang="en-US" dirty="0"/>
+                    </a:p>
+                  </a:txBody>
+                  <a:tcPr/>
+                </a:tc>
+                <a:tc>
+                  <a:txBody>
+                    <a:bodyPr/>
+                    <a:lstStyle/>
+                    <a:p>
+                      <a:r>
+                        <a:rPr lang="en-US" dirty="0" err="1" smtClean="0"/>
+                        <a:t>Foreign_key</a:t>
+                      </a:r>
+                      <a:endParaRPr lang="en-US" dirty="0"/>
+                    </a:p>
+                  </a:txBody>
+                  <a:tcPr/>
+                </a:tc>
+                <a:tc>
+                  <a:txBody>
+                    <a:bodyPr/>
+                    <a:lstStyle/>
+                    <a:p>
+                      <a:r>
+                        <a:rPr lang="en-US" dirty="0" smtClean="0"/>
+                        <a:t>Number(10)</a:t>
+                      </a:r>
+                      <a:endParaRPr lang="en-US" dirty="0"/>
+                    </a:p>
+                  </a:txBody>
+                  <a:tcPr/>
+                </a:tc>
+              </a:tr>
+              <a:tr h="370840">
+                <a:tc>
+                  <a:txBody>
+                    <a:bodyPr/>
+                    <a:lstStyle/>
+                    <a:p>
+                      <a:r>
+                        <a:rPr lang="en-US" dirty="0" err="1" smtClean="0"/>
+                        <a:t>Part_repl</a:t>
+                      </a:r>
+                      <a:endParaRPr lang="en-US" dirty="0"/>
+                    </a:p>
+                  </a:txBody>
+                  <a:tcPr/>
+                </a:tc>
+                <a:tc>
+                  <a:txBody>
+                    <a:bodyPr/>
+                    <a:lstStyle/>
+                    <a:p>
+                      <a:r>
+                        <a:rPr lang="en-US" dirty="0" smtClean="0"/>
+                        <a:t>Alphanumeric</a:t>
+                      </a:r>
+                      <a:endParaRPr lang="en-US" dirty="0"/>
+                    </a:p>
+                  </a:txBody>
+                  <a:tcPr/>
+                </a:tc>
+                <a:tc>
+                  <a:txBody>
+                    <a:bodyPr/>
+                    <a:lstStyle/>
+                    <a:p>
+                      <a:r>
+                        <a:rPr lang="en-US" dirty="0" smtClean="0"/>
+                        <a:t>Char(100)</a:t>
+                      </a:r>
+                      <a:endParaRPr lang="en-US" dirty="0"/>
+                    </a:p>
+                  </a:txBody>
+                  <a:tcPr/>
+                </a:tc>
+              </a:tr>
+            </a:tbl>
+          </a:graphicData>
+        </a:graphic>
+      </p:graphicFrame>
+      <p:sp>
+        <p:nvSpPr>
+          <p:cNvPr id="7" name="TextBox 6"/>
+          <p:cNvSpPr txBox="1"/>
+          <p:nvPr/>
+        </p:nvSpPr>
+        <p:spPr>
+          <a:xfrm>
+            <a:off x="1806223" y="2805289"/>
+            <a:ext cx="781176" cy="369332"/>
+          </a:xfrm>
+          <a:prstGeom prst="rect">
+            <a:avLst/>
+          </a:prstGeom>
+          <a:noFill/>
+        </p:spPr>
+        <p:txBody>
+          <a:bodyPr wrap="none" rtlCol="0">
+            <a:spAutoFit/>
+          </a:bodyPr>
+          <a:lstStyle/>
+          <a:p>
+            <a:r>
+              <a:rPr lang="en-IN" b="1" dirty="0" smtClean="0"/>
+              <a:t>PARTS</a:t>
+            </a:r>
+            <a:endParaRPr lang="en-US" dirty="0" smtClean="0"/>
+          </a:p>
+        </p:txBody>
+      </p:sp>
+    </p:spTree>
+    <p:extLst>
+      <p:ext uri="{BB962C8B-B14F-4D97-AF65-F5344CB8AC3E}">
+        <p14:creationId xmlns:p14="http://schemas.microsoft.com/office/powerpoint/2010/main" val="3995368577"/>
+      </p:ext>
+    </p:extLst>
+  </p:cSld>
+  <p:clrMapOvr>
+    <a:masterClrMapping/>
+  </p:clrMapOvr>
+</p:sld>
+</file>
+
+<file path=ppt/slides/slide5.xml><?xml version="1.0" encoding="utf-8"?>
+<p:sld xmlns:a="http://schemas.openxmlformats.org/drawingml/2006/main" xmlns:r="http://schemas.openxmlformats.org/officeDocument/2006/relationships" xmlns:p="http://schemas.openxmlformats.org/presentationml/2006/main">
+  <p:cSld>
+    <p:spTree>
+      <p:nvGrpSpPr>
+        <p:cNvPr id="1" name=""/>
+        <p:cNvGrpSpPr/>
+        <p:nvPr/>
+      </p:nvGrpSpPr>
+      <p:grpSpPr>
+        <a:xfrm>
+          <a:off x="0" y="0"/>
+          <a:ext cx="0" cy="0"/>
+          <a:chOff x="0" y="0"/>
+          <a:chExt cx="0" cy="0"/>
+        </a:xfrm>
+      </p:grpSpPr>
+      <p:graphicFrame>
+        <p:nvGraphicFramePr>
+          <p:cNvPr id="4" name="Table 3"/>
+          <p:cNvGraphicFramePr>
+            <a:graphicFrameLocks noGrp="1"/>
+          </p:cNvGraphicFramePr>
+          <p:nvPr>
+            <p:extLst>
+              <p:ext uri="{D42A27DB-BD31-4B8C-83A1-F6EECF244321}">
+                <p14:modId xmlns:p14="http://schemas.microsoft.com/office/powerpoint/2010/main" val="65202772"/>
+              </p:ext>
+            </p:extLst>
+          </p:nvPr>
+        </p:nvGraphicFramePr>
+        <p:xfrm>
+          <a:off x="1806223" y="640265"/>
+          <a:ext cx="8127999" cy="1854200"/>
+        </p:xfrm>
+        <a:graphic>
+          <a:graphicData uri="http://schemas.openxmlformats.org/drawingml/2006/table">
+            <a:tbl>
+              <a:tblPr firstRow="1" bandRow="1">
+                <a:tableStyleId>{5C22544A-7EE6-4342-B048-85BDC9FD1C3A}</a:tableStyleId>
+              </a:tblPr>
+              <a:tblGrid>
+                <a:gridCol w="2709333"/>
+                <a:gridCol w="2709333"/>
+                <a:gridCol w="2709333"/>
+              </a:tblGrid>
+              <a:tr h="370840">
+                <a:tc>
+                  <a:txBody>
+                    <a:bodyPr/>
+                    <a:lstStyle/>
+                    <a:p>
+                      <a:r>
+                        <a:rPr lang="en-US" dirty="0" smtClean="0"/>
+                        <a:t>Attribute</a:t>
+                      </a:r>
+                      <a:endParaRPr lang="en-US" dirty="0"/>
+                    </a:p>
+                  </a:txBody>
+                  <a:tcPr/>
+                </a:tc>
+                <a:tc>
+                  <a:txBody>
+                    <a:bodyPr/>
+                    <a:lstStyle/>
+                    <a:p>
+                      <a:r>
+                        <a:rPr lang="en-US" dirty="0" smtClean="0"/>
+                        <a:t>Key</a:t>
+                      </a:r>
+                      <a:endParaRPr lang="en-US" dirty="0"/>
+                    </a:p>
+                  </a:txBody>
+                  <a:tcPr/>
+                </a:tc>
+                <a:tc>
+                  <a:txBody>
+                    <a:bodyPr/>
+                    <a:lstStyle/>
+                    <a:p>
+                      <a:r>
+                        <a:rPr lang="en-US" dirty="0" smtClean="0"/>
+                        <a:t>Data Type</a:t>
+                      </a:r>
+                      <a:endParaRPr lang="en-US" dirty="0"/>
+                    </a:p>
+                  </a:txBody>
+                  <a:tcPr/>
+                </a:tc>
+              </a:tr>
+              <a:tr h="370840">
+                <a:tc>
+                  <a:txBody>
+                    <a:bodyPr/>
+                    <a:lstStyle/>
+                    <a:p>
+                      <a:r>
+                        <a:rPr lang="en-US" dirty="0" err="1" smtClean="0"/>
+                        <a:t>emp_id</a:t>
+                      </a:r>
+                      <a:endParaRPr lang="en-US" dirty="0"/>
+                    </a:p>
+                  </a:txBody>
+                  <a:tcPr/>
+                </a:tc>
+                <a:tc>
+                  <a:txBody>
+                    <a:bodyPr/>
+                    <a:lstStyle/>
+                    <a:p>
+                      <a:r>
+                        <a:rPr lang="en-US" dirty="0" smtClean="0"/>
+                        <a:t>Primary</a:t>
+                      </a:r>
+                      <a:endParaRPr lang="en-US" dirty="0"/>
+                    </a:p>
+                  </a:txBody>
+                  <a:tcPr/>
+                </a:tc>
+                <a:tc>
+                  <a:txBody>
+                    <a:bodyPr/>
+                    <a:lstStyle/>
+                    <a:p>
+                      <a:r>
+                        <a:rPr lang="en-US" dirty="0" smtClean="0"/>
+                        <a:t>number(15)</a:t>
+                      </a:r>
+                      <a:endParaRPr lang="en-US" dirty="0"/>
+                    </a:p>
+                  </a:txBody>
+                  <a:tcPr/>
+                </a:tc>
+              </a:tr>
+              <a:tr h="370840">
+                <a:tc>
+                  <a:txBody>
+                    <a:bodyPr/>
+                    <a:lstStyle/>
+                    <a:p>
+                      <a:r>
+                        <a:rPr lang="en-US" dirty="0" err="1" smtClean="0"/>
+                        <a:t>emp_uname</a:t>
+                      </a:r>
+                      <a:endParaRPr lang="en-US" dirty="0"/>
+                    </a:p>
+                  </a:txBody>
+                  <a:tcPr/>
+                </a:tc>
+                <a:tc>
+                  <a:txBody>
+                    <a:bodyPr/>
+                    <a:lstStyle/>
+                    <a:p>
+                      <a:r>
+                        <a:rPr lang="en-US" dirty="0" smtClean="0"/>
+                        <a:t>Alphanumeric</a:t>
+                      </a:r>
+                      <a:endParaRPr lang="en-US" dirty="0"/>
+                    </a:p>
+                  </a:txBody>
+                  <a:tcPr/>
+                </a:tc>
+                <a:tc>
+                  <a:txBody>
+                    <a:bodyPr/>
+                    <a:lstStyle/>
+                    <a:p>
+                      <a:r>
+                        <a:rPr lang="en-US" dirty="0" smtClean="0"/>
+                        <a:t>Char(20)</a:t>
+                      </a:r>
+                      <a:endParaRPr lang="en-US" dirty="0"/>
+                    </a:p>
+                  </a:txBody>
+                  <a:tcPr/>
+                </a:tc>
+              </a:tr>
+              <a:tr h="370840">
+                <a:tc>
+                  <a:txBody>
+                    <a:bodyPr/>
+                    <a:lstStyle/>
+                    <a:p>
+                      <a:r>
+                        <a:rPr lang="en-US" dirty="0" err="1" smtClean="0"/>
+                        <a:t>emp_pword</a:t>
+                      </a:r>
+                      <a:endParaRPr lang="en-US" dirty="0"/>
+                    </a:p>
+                  </a:txBody>
+                  <a:tcPr/>
+                </a:tc>
+                <a:tc>
+                  <a:txBody>
+                    <a:bodyPr/>
+                    <a:lstStyle/>
+                    <a:p>
+                      <a:r>
+                        <a:rPr lang="en-US" dirty="0" smtClean="0"/>
+                        <a:t>Alphanumeric</a:t>
+                      </a:r>
+                      <a:endParaRPr lang="en-US" dirty="0"/>
+                    </a:p>
+                  </a:txBody>
+                  <a:tcPr/>
+                </a:tc>
+                <a:tc>
+                  <a:txBody>
+                    <a:bodyPr/>
+                    <a:lstStyle/>
+                    <a:p>
+                      <a:r>
+                        <a:rPr lang="en-US" dirty="0" smtClean="0"/>
+                        <a:t>Char(15)</a:t>
+                      </a:r>
+                      <a:endParaRPr lang="en-US" dirty="0"/>
+                    </a:p>
+                  </a:txBody>
+                  <a:tcPr/>
+                </a:tc>
+              </a:tr>
+              <a:tr h="370840">
+                <a:tc>
+                  <a:txBody>
+                    <a:bodyPr/>
+                    <a:lstStyle/>
+                    <a:p>
+                      <a:r>
+                        <a:rPr lang="en-US" dirty="0" err="1" smtClean="0"/>
                         <a:t>emp_privlage</a:t>
                       </a:r>
                       <a:endParaRPr lang="en-US" dirty="0"/>
@@ -4524,21 +5591,21 @@
                     <a:p>
                       <a:r>
                         <a:rPr lang="en-US" dirty="0" smtClean="0"/>
-                        <a:t>Binary</a:t>
-                      </a:r>
-                      <a:endParaRPr lang="en-US" dirty="0"/>
-                    </a:p>
-                  </a:txBody>
-                  <a:tcPr/>
-                </a:tc>
-                <a:tc>
-                  <a:txBody>
-                    <a:bodyPr/>
-                    <a:lstStyle/>
-                    <a:p>
-                      <a:r>
-                        <a:rPr lang="en-US" dirty="0" smtClean="0"/>
-                        <a:t>Binary</a:t>
+                        <a:t>Number</a:t>
+                      </a:r>
+                      <a:endParaRPr lang="en-US" dirty="0"/>
+                    </a:p>
+                  </a:txBody>
+                  <a:tcPr/>
+                </a:tc>
+                <a:tc>
+                  <a:txBody>
+                    <a:bodyPr/>
+                    <a:lstStyle/>
+                    <a:p>
+                      <a:r>
+                        <a:rPr lang="en-US" smtClean="0"/>
+                        <a:t>Number(2)</a:t>
                       </a:r>
                       <a:endParaRPr lang="en-US" dirty="0"/>
                     </a:p>
